--- a/期末專案.pptx
+++ b/期末專案.pptx
@@ -5,7 +5,7 @@
     <p:sldMasterId id="2147483648" r:id="rId1"/>
   </p:sldMasterIdLst>
   <p:notesMasterIdLst>
-    <p:notesMasterId r:id="rId21"/>
+    <p:notesMasterId r:id="rId20"/>
   </p:notesMasterIdLst>
   <p:sldIdLst>
     <p:sldId id="260" r:id="rId2"/>
@@ -21,12 +21,11 @@
     <p:sldId id="268" r:id="rId12"/>
     <p:sldId id="276" r:id="rId13"/>
     <p:sldId id="273" r:id="rId14"/>
-    <p:sldId id="274" r:id="rId15"/>
-    <p:sldId id="279" r:id="rId16"/>
-    <p:sldId id="278" r:id="rId17"/>
-    <p:sldId id="269" r:id="rId18"/>
-    <p:sldId id="270" r:id="rId19"/>
-    <p:sldId id="277" r:id="rId20"/>
+    <p:sldId id="279" r:id="rId15"/>
+    <p:sldId id="278" r:id="rId16"/>
+    <p:sldId id="269" r:id="rId17"/>
+    <p:sldId id="270" r:id="rId18"/>
+    <p:sldId id="277" r:id="rId19"/>
   </p:sldIdLst>
   <p:sldSz cx="12192000" cy="6858000"/>
   <p:notesSz cx="6858000" cy="9144000"/>
@@ -1392,11 +1391,8 @@
         <a:lstStyle/>
         <a:p>
           <a:r>
-            <a:rPr lang="en-US" altLang="zh-TW" sz="1400" baseline="0" dirty="0">
-              <a:latin typeface="Times New Roman" panose="02020603050405020304" pitchFamily="18" charset="0"/>
-              <a:ea typeface="標楷體" panose="03000509000000000000" pitchFamily="65" charset="-120"/>
-            </a:rPr>
-            <a:t>0.0001</a:t>
+            <a:rPr lang="en-US" altLang="zh-TW" sz="1400" dirty="0"/>
+            <a:t>Auto</a:t>
           </a:r>
           <a:endParaRPr lang="zh-TW" altLang="en-US" sz="1400" dirty="0"/>
         </a:p>
@@ -2885,11 +2881,8 @@
             <a:buChar char="•"/>
           </a:pPr>
           <a:r>
-            <a:rPr lang="en-US" altLang="zh-TW" sz="1400" kern="1200" baseline="0" dirty="0">
-              <a:latin typeface="Times New Roman" panose="02020603050405020304" pitchFamily="18" charset="0"/>
-              <a:ea typeface="標楷體" panose="03000509000000000000" pitchFamily="65" charset="-120"/>
-            </a:rPr>
-            <a:t>0.0001</a:t>
+            <a:rPr lang="en-US" altLang="zh-TW" sz="1400" kern="1200" dirty="0"/>
+            <a:t>Auto</a:t>
           </a:r>
           <a:endParaRPr lang="zh-TW" altLang="en-US" sz="1400" kern="1200" dirty="0"/>
         </a:p>
@@ -8839,8 +8832,8 @@
   <p:clrMapOvr>
     <a:masterClrMapping/>
   </p:clrMapOvr>
-  <mc:AlternateContent xmlns:mc="http://schemas.openxmlformats.org/markup-compatibility/2006">
-    <mc:Choice xmlns:p14="http://schemas.microsoft.com/office/powerpoint/2010/main" Requires="p14">
+  <mc:AlternateContent xmlns:mc="http://schemas.openxmlformats.org/markup-compatibility/2006" xmlns:p14="http://schemas.microsoft.com/office/powerpoint/2010/main">
+    <mc:Choice Requires="p14">
       <p:timing>
         <p:tnLst>
           <p:par>
@@ -8966,7 +8959,7 @@
         </p:bldLst>
       </p:timing>
     </mc:Choice>
-    <mc:Fallback>
+    <mc:Fallback xmlns="">
       <p:timing>
         <p:tnLst>
           <p:par>
@@ -14678,1377 +14671,6 @@
 </file>
 
 <file path=ppt/slides/slide14.xml><?xml version="1.0" encoding="utf-8"?>
-<p:sld xmlns:a="http://schemas.openxmlformats.org/drawingml/2006/main" xmlns:r="http://schemas.openxmlformats.org/officeDocument/2006/relationships" xmlns:p="http://schemas.openxmlformats.org/presentationml/2006/main">
-  <p:cSld>
-    <p:spTree>
-      <p:nvGrpSpPr>
-        <p:cNvPr id="1" name=""/>
-        <p:cNvGrpSpPr/>
-        <p:nvPr/>
-      </p:nvGrpSpPr>
-      <p:grpSpPr>
-        <a:xfrm>
-          <a:off x="0" y="0"/>
-          <a:ext cx="0" cy="0"/>
-          <a:chOff x="0" y="0"/>
-          <a:chExt cx="0" cy="0"/>
-        </a:xfrm>
-      </p:grpSpPr>
-      <p:grpSp>
-        <p:nvGrpSpPr>
-          <p:cNvPr id="35" name="组合 34"/>
-          <p:cNvGrpSpPr/>
-          <p:nvPr/>
-        </p:nvGrpSpPr>
-        <p:grpSpPr>
-          <a:xfrm>
-            <a:off x="-397123" y="-538250"/>
-            <a:ext cx="2555690" cy="2296167"/>
-            <a:chOff x="-1344978" y="-685187"/>
-            <a:chExt cx="6781080" cy="6092478"/>
-          </a:xfrm>
-        </p:grpSpPr>
-        <p:sp>
-          <p:nvSpPr>
-            <p:cNvPr id="36" name="椭圆 35"/>
-            <p:cNvSpPr/>
-            <p:nvPr/>
-          </p:nvSpPr>
-          <p:spPr>
-            <a:xfrm>
-              <a:off x="-185195" y="-312516"/>
-              <a:ext cx="2245488" cy="2245488"/>
-            </a:xfrm>
-            <a:prstGeom prst="ellipse">
-              <a:avLst/>
-            </a:prstGeom>
-            <a:ln>
-              <a:noFill/>
-            </a:ln>
-          </p:spPr>
-          <p:style>
-            <a:lnRef idx="2">
-              <a:schemeClr val="accent1">
-                <a:shade val="50000"/>
-              </a:schemeClr>
-            </a:lnRef>
-            <a:fillRef idx="1">
-              <a:schemeClr val="accent1"/>
-            </a:fillRef>
-            <a:effectRef idx="0">
-              <a:schemeClr val="accent1"/>
-            </a:effectRef>
-            <a:fontRef idx="minor">
-              <a:schemeClr val="lt1"/>
-            </a:fontRef>
-          </p:style>
-          <p:txBody>
-            <a:bodyPr rtlCol="0" anchor="ctr"/>
-            <a:lstStyle/>
-            <a:p>
-              <a:pPr algn="ctr"/>
-              <a:endParaRPr lang="zh-CN" altLang="en-US"/>
-            </a:p>
-          </p:txBody>
-        </p:sp>
-        <p:sp>
-          <p:nvSpPr>
-            <p:cNvPr id="37" name="椭圆 36"/>
-            <p:cNvSpPr/>
-            <p:nvPr/>
-          </p:nvSpPr>
-          <p:spPr>
-            <a:xfrm>
-              <a:off x="-1344978" y="-144876"/>
-              <a:ext cx="2689956" cy="2689956"/>
-            </a:xfrm>
-            <a:prstGeom prst="ellipse">
-              <a:avLst/>
-            </a:prstGeom>
-            <a:solidFill>
-              <a:schemeClr val="accent2"/>
-            </a:solidFill>
-            <a:ln>
-              <a:noFill/>
-            </a:ln>
-          </p:spPr>
-          <p:style>
-            <a:lnRef idx="2">
-              <a:schemeClr val="accent1">
-                <a:shade val="50000"/>
-              </a:schemeClr>
-            </a:lnRef>
-            <a:fillRef idx="1">
-              <a:schemeClr val="accent1"/>
-            </a:fillRef>
-            <a:effectRef idx="0">
-              <a:schemeClr val="accent1"/>
-            </a:effectRef>
-            <a:fontRef idx="minor">
-              <a:schemeClr val="lt1"/>
-            </a:fontRef>
-          </p:style>
-          <p:txBody>
-            <a:bodyPr rtlCol="0" anchor="ctr"/>
-            <a:lstStyle/>
-            <a:p>
-              <a:pPr algn="ctr"/>
-              <a:endParaRPr lang="zh-CN" altLang="en-US"/>
-            </a:p>
-          </p:txBody>
-        </p:sp>
-        <p:sp>
-          <p:nvSpPr>
-            <p:cNvPr id="38" name="椭圆 37"/>
-            <p:cNvSpPr/>
-            <p:nvPr/>
-          </p:nvSpPr>
-          <p:spPr>
-            <a:xfrm>
-              <a:off x="494840" y="1571529"/>
-              <a:ext cx="1318720" cy="1318720"/>
-            </a:xfrm>
-            <a:prstGeom prst="ellipse">
-              <a:avLst/>
-            </a:prstGeom>
-            <a:solidFill>
-              <a:schemeClr val="accent3"/>
-            </a:solidFill>
-            <a:ln>
-              <a:noFill/>
-            </a:ln>
-          </p:spPr>
-          <p:style>
-            <a:lnRef idx="2">
-              <a:schemeClr val="accent1">
-                <a:shade val="50000"/>
-              </a:schemeClr>
-            </a:lnRef>
-            <a:fillRef idx="1">
-              <a:schemeClr val="accent1"/>
-            </a:fillRef>
-            <a:effectRef idx="0">
-              <a:schemeClr val="accent1"/>
-            </a:effectRef>
-            <a:fontRef idx="minor">
-              <a:schemeClr val="lt1"/>
-            </a:fontRef>
-          </p:style>
-          <p:txBody>
-            <a:bodyPr rtlCol="0" anchor="ctr"/>
-            <a:lstStyle/>
-            <a:p>
-              <a:pPr algn="ctr"/>
-              <a:endParaRPr lang="zh-CN" altLang="en-US"/>
-            </a:p>
-          </p:txBody>
-        </p:sp>
-        <p:sp>
-          <p:nvSpPr>
-            <p:cNvPr id="39" name="椭圆 38"/>
-            <p:cNvSpPr/>
-            <p:nvPr/>
-          </p:nvSpPr>
-          <p:spPr>
-            <a:xfrm>
-              <a:off x="-844556" y="2481611"/>
-              <a:ext cx="1947513" cy="1947513"/>
-            </a:xfrm>
-            <a:prstGeom prst="ellipse">
-              <a:avLst/>
-            </a:prstGeom>
-            <a:solidFill>
-              <a:schemeClr val="accent4"/>
-            </a:solidFill>
-            <a:ln>
-              <a:noFill/>
-            </a:ln>
-          </p:spPr>
-          <p:style>
-            <a:lnRef idx="2">
-              <a:schemeClr val="accent1">
-                <a:shade val="50000"/>
-              </a:schemeClr>
-            </a:lnRef>
-            <a:fillRef idx="1">
-              <a:schemeClr val="accent1"/>
-            </a:fillRef>
-            <a:effectRef idx="0">
-              <a:schemeClr val="accent1"/>
-            </a:effectRef>
-            <a:fontRef idx="minor">
-              <a:schemeClr val="lt1"/>
-            </a:fontRef>
-          </p:style>
-          <p:txBody>
-            <a:bodyPr rtlCol="0" anchor="ctr"/>
-            <a:lstStyle/>
-            <a:p>
-              <a:pPr algn="ctr"/>
-              <a:endParaRPr lang="zh-CN" altLang="en-US"/>
-            </a:p>
-          </p:txBody>
-        </p:sp>
-        <p:sp>
-          <p:nvSpPr>
-            <p:cNvPr id="40" name="椭圆 39"/>
-            <p:cNvSpPr/>
-            <p:nvPr/>
-          </p:nvSpPr>
-          <p:spPr>
-            <a:xfrm>
-              <a:off x="1771092" y="283376"/>
-              <a:ext cx="2606873" cy="2606873"/>
-            </a:xfrm>
-            <a:prstGeom prst="ellipse">
-              <a:avLst/>
-            </a:prstGeom>
-            <a:solidFill>
-              <a:schemeClr val="accent4"/>
-            </a:solidFill>
-            <a:ln>
-              <a:noFill/>
-            </a:ln>
-          </p:spPr>
-          <p:style>
-            <a:lnRef idx="2">
-              <a:schemeClr val="accent1">
-                <a:shade val="50000"/>
-              </a:schemeClr>
-            </a:lnRef>
-            <a:fillRef idx="1">
-              <a:schemeClr val="accent1"/>
-            </a:fillRef>
-            <a:effectRef idx="0">
-              <a:schemeClr val="accent1"/>
-            </a:effectRef>
-            <a:fontRef idx="minor">
-              <a:schemeClr val="lt1"/>
-            </a:fontRef>
-          </p:style>
-          <p:txBody>
-            <a:bodyPr rtlCol="0" anchor="ctr"/>
-            <a:lstStyle/>
-            <a:p>
-              <a:pPr algn="ctr"/>
-              <a:endParaRPr lang="zh-CN" altLang="en-US"/>
-            </a:p>
-          </p:txBody>
-        </p:sp>
-        <p:sp>
-          <p:nvSpPr>
-            <p:cNvPr id="41" name="椭圆 40"/>
-            <p:cNvSpPr/>
-            <p:nvPr/>
-          </p:nvSpPr>
-          <p:spPr>
-            <a:xfrm>
-              <a:off x="1344978" y="-685187"/>
-              <a:ext cx="1644608" cy="1644608"/>
-            </a:xfrm>
-            <a:prstGeom prst="ellipse">
-              <a:avLst/>
-            </a:prstGeom>
-            <a:solidFill>
-              <a:schemeClr val="accent3"/>
-            </a:solidFill>
-            <a:ln>
-              <a:noFill/>
-            </a:ln>
-          </p:spPr>
-          <p:style>
-            <a:lnRef idx="2">
-              <a:schemeClr val="accent1">
-                <a:shade val="50000"/>
-              </a:schemeClr>
-            </a:lnRef>
-            <a:fillRef idx="1">
-              <a:schemeClr val="accent1"/>
-            </a:fillRef>
-            <a:effectRef idx="0">
-              <a:schemeClr val="accent1"/>
-            </a:effectRef>
-            <a:fontRef idx="minor">
-              <a:schemeClr val="lt1"/>
-            </a:fontRef>
-          </p:style>
-          <p:txBody>
-            <a:bodyPr rtlCol="0" anchor="ctr"/>
-            <a:lstStyle/>
-            <a:p>
-              <a:pPr algn="ctr"/>
-              <a:endParaRPr lang="zh-CN" altLang="en-US"/>
-            </a:p>
-          </p:txBody>
-        </p:sp>
-        <p:sp>
-          <p:nvSpPr>
-            <p:cNvPr id="42" name="椭圆 41"/>
-            <p:cNvSpPr/>
-            <p:nvPr/>
-          </p:nvSpPr>
-          <p:spPr>
-            <a:xfrm>
-              <a:off x="-574093" y="4228496"/>
-              <a:ext cx="1130238" cy="1130238"/>
-            </a:xfrm>
-            <a:prstGeom prst="ellipse">
-              <a:avLst/>
-            </a:prstGeom>
-            <a:ln>
-              <a:noFill/>
-            </a:ln>
-          </p:spPr>
-          <p:style>
-            <a:lnRef idx="2">
-              <a:schemeClr val="accent1">
-                <a:shade val="50000"/>
-              </a:schemeClr>
-            </a:lnRef>
-            <a:fillRef idx="1">
-              <a:schemeClr val="accent1"/>
-            </a:fillRef>
-            <a:effectRef idx="0">
-              <a:schemeClr val="accent1"/>
-            </a:effectRef>
-            <a:fontRef idx="minor">
-              <a:schemeClr val="lt1"/>
-            </a:fontRef>
-          </p:style>
-          <p:txBody>
-            <a:bodyPr rtlCol="0" anchor="ctr"/>
-            <a:lstStyle/>
-            <a:p>
-              <a:pPr algn="ctr"/>
-              <a:endParaRPr lang="zh-CN" altLang="en-US"/>
-            </a:p>
-          </p:txBody>
-        </p:sp>
-        <p:sp>
-          <p:nvSpPr>
-            <p:cNvPr id="43" name="椭圆 42"/>
-            <p:cNvSpPr/>
-            <p:nvPr/>
-          </p:nvSpPr>
-          <p:spPr>
-            <a:xfrm>
-              <a:off x="2625707" y="3733966"/>
-              <a:ext cx="817868" cy="817868"/>
-            </a:xfrm>
-            <a:prstGeom prst="ellipse">
-              <a:avLst/>
-            </a:prstGeom>
-            <a:solidFill>
-              <a:schemeClr val="accent4"/>
-            </a:solidFill>
-            <a:ln>
-              <a:noFill/>
-            </a:ln>
-          </p:spPr>
-          <p:style>
-            <a:lnRef idx="2">
-              <a:schemeClr val="accent1">
-                <a:shade val="50000"/>
-              </a:schemeClr>
-            </a:lnRef>
-            <a:fillRef idx="1">
-              <a:schemeClr val="accent1"/>
-            </a:fillRef>
-            <a:effectRef idx="0">
-              <a:schemeClr val="accent1"/>
-            </a:effectRef>
-            <a:fontRef idx="minor">
-              <a:schemeClr val="lt1"/>
-            </a:fontRef>
-          </p:style>
-          <p:txBody>
-            <a:bodyPr rtlCol="0" anchor="ctr"/>
-            <a:lstStyle/>
-            <a:p>
-              <a:pPr algn="ctr"/>
-              <a:endParaRPr lang="zh-CN" altLang="en-US"/>
-            </a:p>
-          </p:txBody>
-        </p:sp>
-        <p:sp>
-          <p:nvSpPr>
-            <p:cNvPr id="44" name="椭圆 43"/>
-            <p:cNvSpPr/>
-            <p:nvPr/>
-          </p:nvSpPr>
-          <p:spPr>
-            <a:xfrm>
-              <a:off x="2371916" y="4306414"/>
-              <a:ext cx="245420" cy="245420"/>
-            </a:xfrm>
-            <a:prstGeom prst="ellipse">
-              <a:avLst/>
-            </a:prstGeom>
-            <a:ln>
-              <a:noFill/>
-            </a:ln>
-          </p:spPr>
-          <p:style>
-            <a:lnRef idx="2">
-              <a:schemeClr val="accent1">
-                <a:shade val="50000"/>
-              </a:schemeClr>
-            </a:lnRef>
-            <a:fillRef idx="1">
-              <a:schemeClr val="accent1"/>
-            </a:fillRef>
-            <a:effectRef idx="0">
-              <a:schemeClr val="accent1"/>
-            </a:effectRef>
-            <a:fontRef idx="minor">
-              <a:schemeClr val="lt1"/>
-            </a:fontRef>
-          </p:style>
-          <p:txBody>
-            <a:bodyPr rtlCol="0" anchor="ctr"/>
-            <a:lstStyle/>
-            <a:p>
-              <a:pPr algn="ctr"/>
-              <a:endParaRPr lang="zh-CN" altLang="en-US"/>
-            </a:p>
-          </p:txBody>
-        </p:sp>
-        <p:sp>
-          <p:nvSpPr>
-            <p:cNvPr id="45" name="椭圆 44"/>
-            <p:cNvSpPr/>
-            <p:nvPr/>
-          </p:nvSpPr>
-          <p:spPr>
-            <a:xfrm>
-              <a:off x="1921862" y="3754016"/>
-              <a:ext cx="245420" cy="245420"/>
-            </a:xfrm>
-            <a:prstGeom prst="ellipse">
-              <a:avLst/>
-            </a:prstGeom>
-            <a:solidFill>
-              <a:schemeClr val="accent2"/>
-            </a:solidFill>
-            <a:ln>
-              <a:noFill/>
-            </a:ln>
-          </p:spPr>
-          <p:style>
-            <a:lnRef idx="2">
-              <a:schemeClr val="accent1">
-                <a:shade val="50000"/>
-              </a:schemeClr>
-            </a:lnRef>
-            <a:fillRef idx="1">
-              <a:schemeClr val="accent1"/>
-            </a:fillRef>
-            <a:effectRef idx="0">
-              <a:schemeClr val="accent1"/>
-            </a:effectRef>
-            <a:fontRef idx="minor">
-              <a:schemeClr val="lt1"/>
-            </a:fontRef>
-          </p:style>
-          <p:txBody>
-            <a:bodyPr rtlCol="0" anchor="ctr"/>
-            <a:lstStyle/>
-            <a:p>
-              <a:pPr algn="ctr"/>
-              <a:endParaRPr lang="zh-CN" altLang="en-US"/>
-            </a:p>
-          </p:txBody>
-        </p:sp>
-        <p:sp>
-          <p:nvSpPr>
-            <p:cNvPr id="46" name="椭圆 45"/>
-            <p:cNvSpPr/>
-            <p:nvPr/>
-          </p:nvSpPr>
-          <p:spPr>
-            <a:xfrm>
-              <a:off x="3779290" y="3536976"/>
-              <a:ext cx="245420" cy="245420"/>
-            </a:xfrm>
-            <a:prstGeom prst="ellipse">
-              <a:avLst/>
-            </a:prstGeom>
-            <a:solidFill>
-              <a:schemeClr val="accent3"/>
-            </a:solidFill>
-            <a:ln>
-              <a:noFill/>
-            </a:ln>
-          </p:spPr>
-          <p:style>
-            <a:lnRef idx="2">
-              <a:schemeClr val="accent1">
-                <a:shade val="50000"/>
-              </a:schemeClr>
-            </a:lnRef>
-            <a:fillRef idx="1">
-              <a:schemeClr val="accent1"/>
-            </a:fillRef>
-            <a:effectRef idx="0">
-              <a:schemeClr val="accent1"/>
-            </a:effectRef>
-            <a:fontRef idx="minor">
-              <a:schemeClr val="lt1"/>
-            </a:fontRef>
-          </p:style>
-          <p:txBody>
-            <a:bodyPr rtlCol="0" anchor="ctr"/>
-            <a:lstStyle/>
-            <a:p>
-              <a:pPr algn="ctr"/>
-              <a:endParaRPr lang="zh-CN" altLang="en-US"/>
-            </a:p>
-          </p:txBody>
-        </p:sp>
-        <p:sp>
-          <p:nvSpPr>
-            <p:cNvPr id="47" name="椭圆 46"/>
-            <p:cNvSpPr/>
-            <p:nvPr/>
-          </p:nvSpPr>
-          <p:spPr>
-            <a:xfrm>
-              <a:off x="3533870" y="4916451"/>
-              <a:ext cx="490840" cy="490840"/>
-            </a:xfrm>
-            <a:prstGeom prst="ellipse">
-              <a:avLst/>
-            </a:prstGeom>
-            <a:solidFill>
-              <a:schemeClr val="accent2"/>
-            </a:solidFill>
-            <a:ln>
-              <a:noFill/>
-            </a:ln>
-          </p:spPr>
-          <p:style>
-            <a:lnRef idx="2">
-              <a:schemeClr val="accent1">
-                <a:shade val="50000"/>
-              </a:schemeClr>
-            </a:lnRef>
-            <a:fillRef idx="1">
-              <a:schemeClr val="accent1"/>
-            </a:fillRef>
-            <a:effectRef idx="0">
-              <a:schemeClr val="accent1"/>
-            </a:effectRef>
-            <a:fontRef idx="minor">
-              <a:schemeClr val="lt1"/>
-            </a:fontRef>
-          </p:style>
-          <p:txBody>
-            <a:bodyPr rtlCol="0" anchor="ctr"/>
-            <a:lstStyle/>
-            <a:p>
-              <a:pPr algn="ctr"/>
-              <a:endParaRPr lang="zh-CN" altLang="en-US"/>
-            </a:p>
-          </p:txBody>
-        </p:sp>
-        <p:sp>
-          <p:nvSpPr>
-            <p:cNvPr id="48" name="椭圆 47"/>
-            <p:cNvSpPr/>
-            <p:nvPr/>
-          </p:nvSpPr>
-          <p:spPr>
-            <a:xfrm>
-              <a:off x="3779289" y="156746"/>
-              <a:ext cx="1656813" cy="1656813"/>
-            </a:xfrm>
-            <a:prstGeom prst="ellipse">
-              <a:avLst/>
-            </a:prstGeom>
-            <a:solidFill>
-              <a:schemeClr val="accent2"/>
-            </a:solidFill>
-            <a:ln>
-              <a:noFill/>
-            </a:ln>
-          </p:spPr>
-          <p:style>
-            <a:lnRef idx="2">
-              <a:schemeClr val="accent1">
-                <a:shade val="50000"/>
-              </a:schemeClr>
-            </a:lnRef>
-            <a:fillRef idx="1">
-              <a:schemeClr val="accent1"/>
-            </a:fillRef>
-            <a:effectRef idx="0">
-              <a:schemeClr val="accent1"/>
-            </a:effectRef>
-            <a:fontRef idx="minor">
-              <a:schemeClr val="lt1"/>
-            </a:fontRef>
-          </p:style>
-          <p:txBody>
-            <a:bodyPr rtlCol="0" anchor="ctr"/>
-            <a:lstStyle/>
-            <a:p>
-              <a:pPr algn="ctr"/>
-              <a:endParaRPr lang="zh-CN" altLang="en-US"/>
-            </a:p>
-          </p:txBody>
-        </p:sp>
-      </p:grpSp>
-      <p:cxnSp>
-        <p:nvCxnSpPr>
-          <p:cNvPr id="49" name="直接连接符 48"/>
-          <p:cNvCxnSpPr/>
-          <p:nvPr/>
-        </p:nvCxnSpPr>
-        <p:spPr>
-          <a:xfrm>
-            <a:off x="2593542" y="804428"/>
-            <a:ext cx="8244000" cy="0"/>
-          </a:xfrm>
-          <a:prstGeom prst="line">
-            <a:avLst/>
-          </a:prstGeom>
-          <a:ln>
-            <a:solidFill>
-              <a:schemeClr val="bg1">
-                <a:lumMod val="65000"/>
-              </a:schemeClr>
-            </a:solidFill>
-          </a:ln>
-        </p:spPr>
-        <p:style>
-          <a:lnRef idx="1">
-            <a:schemeClr val="accent1"/>
-          </a:lnRef>
-          <a:fillRef idx="0">
-            <a:schemeClr val="accent1"/>
-          </a:fillRef>
-          <a:effectRef idx="0">
-            <a:schemeClr val="accent1"/>
-          </a:effectRef>
-          <a:fontRef idx="minor">
-            <a:schemeClr val="tx1"/>
-          </a:fontRef>
-        </p:style>
-      </p:cxnSp>
-      <p:sp>
-        <p:nvSpPr>
-          <p:cNvPr id="50" name="平行四边形 49"/>
-          <p:cNvSpPr/>
-          <p:nvPr/>
-        </p:nvSpPr>
-        <p:spPr>
-          <a:xfrm>
-            <a:off x="2158571" y="332773"/>
-            <a:ext cx="590551" cy="479165"/>
-          </a:xfrm>
-          <a:prstGeom prst="parallelogram">
-            <a:avLst/>
-          </a:prstGeom>
-          <a:noFill/>
-          <a:ln>
-            <a:solidFill>
-              <a:schemeClr val="tx1">
-                <a:lumMod val="75000"/>
-                <a:lumOff val="25000"/>
-              </a:schemeClr>
-            </a:solidFill>
-          </a:ln>
-        </p:spPr>
-        <p:style>
-          <a:lnRef idx="2">
-            <a:schemeClr val="accent1">
-              <a:shade val="50000"/>
-            </a:schemeClr>
-          </a:lnRef>
-          <a:fillRef idx="1">
-            <a:schemeClr val="accent1"/>
-          </a:fillRef>
-          <a:effectRef idx="0">
-            <a:schemeClr val="accent1"/>
-          </a:effectRef>
-          <a:fontRef idx="minor">
-            <a:schemeClr val="lt1"/>
-          </a:fontRef>
-        </p:style>
-        <p:txBody>
-          <a:bodyPr rtlCol="0" anchor="ctr"/>
-          <a:lstStyle/>
-          <a:p>
-            <a:pPr algn="ctr"/>
-            <a:r>
-              <a:rPr lang="en-US" altLang="zh-TW" sz="3600" dirty="0">
-                <a:solidFill>
-                  <a:schemeClr val="tx1">
-                    <a:lumMod val="75000"/>
-                    <a:lumOff val="25000"/>
-                  </a:schemeClr>
-                </a:solidFill>
-              </a:rPr>
-              <a:t>5</a:t>
-            </a:r>
-            <a:endParaRPr lang="zh-CN" altLang="en-US" sz="3600" dirty="0">
-              <a:solidFill>
-                <a:schemeClr val="tx1">
-                  <a:lumMod val="75000"/>
-                  <a:lumOff val="25000"/>
-                </a:schemeClr>
-              </a:solidFill>
-            </a:endParaRPr>
-          </a:p>
-        </p:txBody>
-      </p:sp>
-      <p:sp>
-        <p:nvSpPr>
-          <p:cNvPr id="51" name="矩形 50"/>
-          <p:cNvSpPr/>
-          <p:nvPr/>
-        </p:nvSpPr>
-        <p:spPr>
-          <a:xfrm>
-            <a:off x="3206158" y="351898"/>
-            <a:ext cx="4690556" cy="461665"/>
-          </a:xfrm>
-          <a:prstGeom prst="rect">
-            <a:avLst/>
-          </a:prstGeom>
-        </p:spPr>
-        <p:txBody>
-          <a:bodyPr wrap="square">
-            <a:spAutoFit/>
-          </a:bodyPr>
-          <a:lstStyle/>
-          <a:p>
-            <a:r>
-              <a:rPr lang="zh-TW" altLang="en-US" sz="2400" b="1" dirty="0">
-                <a:solidFill>
-                  <a:schemeClr val="tx1">
-                    <a:lumMod val="75000"/>
-                    <a:lumOff val="25000"/>
-                  </a:schemeClr>
-                </a:solidFill>
-                <a:latin typeface="微软雅黑" panose="020B0503020204020204" pitchFamily="34" charset="-122"/>
-                <a:ea typeface="微软雅黑" panose="020B0503020204020204" pitchFamily="34" charset="-122"/>
-              </a:rPr>
-              <a:t>成果</a:t>
-            </a:r>
-            <a:endParaRPr lang="zh-CN" altLang="en-US" sz="2400" b="1" dirty="0">
-              <a:solidFill>
-                <a:schemeClr val="tx1">
-                  <a:lumMod val="75000"/>
-                  <a:lumOff val="25000"/>
-                </a:schemeClr>
-              </a:solidFill>
-              <a:latin typeface="微软雅黑" panose="020B0503020204020204" pitchFamily="34" charset="-122"/>
-              <a:ea typeface="微软雅黑" panose="020B0503020204020204" pitchFamily="34" charset="-122"/>
-            </a:endParaRPr>
-          </a:p>
-        </p:txBody>
-      </p:sp>
-      <p:grpSp>
-        <p:nvGrpSpPr>
-          <p:cNvPr id="2" name="群組 1"/>
-          <p:cNvGrpSpPr/>
-          <p:nvPr/>
-        </p:nvGrpSpPr>
-        <p:grpSpPr>
-          <a:xfrm>
-            <a:off x="2158567" y="1508149"/>
-            <a:ext cx="4200831" cy="446815"/>
-            <a:chOff x="6353328" y="1648156"/>
-            <a:chExt cx="4200831" cy="446815"/>
-          </a:xfrm>
-        </p:grpSpPr>
-        <p:sp>
-          <p:nvSpPr>
-            <p:cNvPr id="31" name="文本框 30"/>
-            <p:cNvSpPr txBox="1"/>
-            <p:nvPr/>
-          </p:nvSpPr>
-          <p:spPr>
-            <a:xfrm>
-              <a:off x="6785764" y="1649935"/>
-              <a:ext cx="3768395" cy="400110"/>
-            </a:xfrm>
-            <a:prstGeom prst="rect">
-              <a:avLst/>
-            </a:prstGeom>
-            <a:noFill/>
-          </p:spPr>
-          <p:txBody>
-            <a:bodyPr wrap="square" rtlCol="0">
-              <a:spAutoFit/>
-            </a:bodyPr>
-            <a:lstStyle/>
-            <a:p>
-              <a:r>
-                <a:rPr lang="en-US" altLang="zh-CN" sz="2000" b="1" dirty="0">
-                  <a:solidFill>
-                    <a:schemeClr val="tx1">
-                      <a:lumMod val="75000"/>
-                      <a:lumOff val="25000"/>
-                    </a:schemeClr>
-                  </a:solidFill>
-                  <a:latin typeface="Microsoft YaHei" panose="020B0503020204020204" pitchFamily="34" charset="-122"/>
-                  <a:ea typeface="Microsoft YaHei" panose="020B0503020204020204" pitchFamily="34" charset="-122"/>
-                  <a:cs typeface="Arial" panose="020B0604020202020204" pitchFamily="34" charset="0"/>
-                </a:rPr>
-                <a:t>Loss</a:t>
-              </a:r>
-            </a:p>
-          </p:txBody>
-        </p:sp>
-        <p:sp>
-          <p:nvSpPr>
-            <p:cNvPr id="52" name="椭圆 35"/>
-            <p:cNvSpPr>
-              <a:spLocks noChangeAspect="1"/>
-            </p:cNvSpPr>
-            <p:nvPr/>
-          </p:nvSpPr>
-          <p:spPr>
-            <a:xfrm>
-              <a:off x="6353328" y="1648156"/>
-              <a:ext cx="446815" cy="446815"/>
-            </a:xfrm>
-            <a:prstGeom prst="ellipse">
-              <a:avLst/>
-            </a:prstGeom>
-            <a:solidFill>
-              <a:schemeClr val="accent1"/>
-            </a:solidFill>
-            <a:ln>
-              <a:noFill/>
-            </a:ln>
-          </p:spPr>
-          <p:style>
-            <a:lnRef idx="2">
-              <a:schemeClr val="accent1">
-                <a:shade val="50000"/>
-              </a:schemeClr>
-            </a:lnRef>
-            <a:fillRef idx="1">
-              <a:schemeClr val="accent1"/>
-            </a:fillRef>
-            <a:effectRef idx="0">
-              <a:schemeClr val="accent1"/>
-            </a:effectRef>
-            <a:fontRef idx="minor">
-              <a:schemeClr val="lt1"/>
-            </a:fontRef>
-          </p:style>
-          <p:txBody>
-            <a:bodyPr rtlCol="0" anchor="ctr"/>
-            <a:lstStyle/>
-            <a:p>
-              <a:pPr algn="ctr"/>
-              <a:r>
-                <a:rPr lang="en-US" sz="2400" dirty="0"/>
-                <a:t>1</a:t>
-              </a:r>
-            </a:p>
-          </p:txBody>
-        </p:sp>
-      </p:grpSp>
-      <p:grpSp>
-        <p:nvGrpSpPr>
-          <p:cNvPr id="3" name="群組 2"/>
-          <p:cNvGrpSpPr/>
-          <p:nvPr/>
-        </p:nvGrpSpPr>
-        <p:grpSpPr>
-          <a:xfrm>
-            <a:off x="2158567" y="2571661"/>
-            <a:ext cx="4216634" cy="446815"/>
-            <a:chOff x="6337525" y="2865072"/>
-            <a:chExt cx="4216634" cy="446815"/>
-          </a:xfrm>
-        </p:grpSpPr>
-        <p:sp>
-          <p:nvSpPr>
-            <p:cNvPr id="32" name="文本框 31"/>
-            <p:cNvSpPr txBox="1"/>
-            <p:nvPr/>
-          </p:nvSpPr>
-          <p:spPr>
-            <a:xfrm>
-              <a:off x="6785764" y="2888425"/>
-              <a:ext cx="3768395" cy="400110"/>
-            </a:xfrm>
-            <a:prstGeom prst="rect">
-              <a:avLst/>
-            </a:prstGeom>
-            <a:noFill/>
-          </p:spPr>
-          <p:txBody>
-            <a:bodyPr wrap="square" rtlCol="0">
-              <a:spAutoFit/>
-            </a:bodyPr>
-            <a:lstStyle/>
-            <a:p>
-              <a:r>
-                <a:rPr lang="en-US" altLang="zh-CN" sz="2000" b="1" dirty="0">
-                  <a:solidFill>
-                    <a:schemeClr val="tx1">
-                      <a:lumMod val="75000"/>
-                      <a:lumOff val="25000"/>
-                    </a:schemeClr>
-                  </a:solidFill>
-                  <a:latin typeface="Microsoft YaHei" panose="020B0503020204020204" pitchFamily="34" charset="-122"/>
-                  <a:ea typeface="Microsoft YaHei" panose="020B0503020204020204" pitchFamily="34" charset="-122"/>
-                  <a:cs typeface="Arial" panose="020B0604020202020204" pitchFamily="34" charset="0"/>
-                </a:rPr>
-                <a:t>Accuracy</a:t>
-              </a:r>
-            </a:p>
-          </p:txBody>
-        </p:sp>
-        <p:sp>
-          <p:nvSpPr>
-            <p:cNvPr id="53" name="椭圆 35"/>
-            <p:cNvSpPr>
-              <a:spLocks noChangeAspect="1"/>
-            </p:cNvSpPr>
-            <p:nvPr/>
-          </p:nvSpPr>
-          <p:spPr>
-            <a:xfrm>
-              <a:off x="6337525" y="2865072"/>
-              <a:ext cx="446815" cy="446815"/>
-            </a:xfrm>
-            <a:prstGeom prst="ellipse">
-              <a:avLst/>
-            </a:prstGeom>
-            <a:solidFill>
-              <a:schemeClr val="accent2"/>
-            </a:solidFill>
-            <a:ln>
-              <a:noFill/>
-            </a:ln>
-          </p:spPr>
-          <p:style>
-            <a:lnRef idx="2">
-              <a:schemeClr val="accent1">
-                <a:shade val="50000"/>
-              </a:schemeClr>
-            </a:lnRef>
-            <a:fillRef idx="1">
-              <a:schemeClr val="accent1"/>
-            </a:fillRef>
-            <a:effectRef idx="0">
-              <a:schemeClr val="accent1"/>
-            </a:effectRef>
-            <a:fontRef idx="minor">
-              <a:schemeClr val="lt1"/>
-            </a:fontRef>
-          </p:style>
-          <p:txBody>
-            <a:bodyPr rtlCol="0" anchor="ctr"/>
-            <a:lstStyle/>
-            <a:p>
-              <a:pPr algn="ctr"/>
-              <a:r>
-                <a:rPr lang="en-US" sz="2400" dirty="0"/>
-                <a:t>2</a:t>
-              </a:r>
-            </a:p>
-          </p:txBody>
-        </p:sp>
-      </p:grpSp>
-      <p:grpSp>
-        <p:nvGrpSpPr>
-          <p:cNvPr id="4" name="群組 3"/>
-          <p:cNvGrpSpPr/>
-          <p:nvPr/>
-        </p:nvGrpSpPr>
-        <p:grpSpPr>
-          <a:xfrm>
-            <a:off x="2158567" y="3680099"/>
-            <a:ext cx="4216636" cy="446815"/>
-            <a:chOff x="6337523" y="4126916"/>
-            <a:chExt cx="4216636" cy="446815"/>
-          </a:xfrm>
-        </p:grpSpPr>
-        <p:sp>
-          <p:nvSpPr>
-            <p:cNvPr id="33" name="文本框 32"/>
-            <p:cNvSpPr txBox="1"/>
-            <p:nvPr/>
-          </p:nvSpPr>
-          <p:spPr>
-            <a:xfrm>
-              <a:off x="6785764" y="4126917"/>
-              <a:ext cx="3768395" cy="400110"/>
-            </a:xfrm>
-            <a:prstGeom prst="rect">
-              <a:avLst/>
-            </a:prstGeom>
-            <a:noFill/>
-          </p:spPr>
-          <p:txBody>
-            <a:bodyPr wrap="square" rtlCol="0">
-              <a:spAutoFit/>
-            </a:bodyPr>
-            <a:lstStyle/>
-            <a:p>
-              <a:r>
-                <a:rPr lang="zh-TW" altLang="en-US" sz="2000" b="1" dirty="0">
-                  <a:solidFill>
-                    <a:schemeClr val="tx1">
-                      <a:lumMod val="75000"/>
-                      <a:lumOff val="25000"/>
-                    </a:schemeClr>
-                  </a:solidFill>
-                  <a:latin typeface="Microsoft YaHei" panose="020B0503020204020204" pitchFamily="34" charset="-122"/>
-                  <a:ea typeface="Microsoft YaHei" panose="020B0503020204020204" pitchFamily="34" charset="-122"/>
-                  <a:cs typeface="Arial" panose="020B0604020202020204" pitchFamily="34" charset="0"/>
-                </a:rPr>
-                <a:t>實際預測</a:t>
-              </a:r>
-              <a:endParaRPr lang="en-US" altLang="zh-CN" sz="2000" b="1" dirty="0">
-                <a:solidFill>
-                  <a:schemeClr val="tx1">
-                    <a:lumMod val="75000"/>
-                    <a:lumOff val="25000"/>
-                  </a:schemeClr>
-                </a:solidFill>
-                <a:latin typeface="Microsoft YaHei" panose="020B0503020204020204" pitchFamily="34" charset="-122"/>
-                <a:ea typeface="Microsoft YaHei" panose="020B0503020204020204" pitchFamily="34" charset="-122"/>
-                <a:cs typeface="Arial" panose="020B0604020202020204" pitchFamily="34" charset="0"/>
-              </a:endParaRPr>
-            </a:p>
-          </p:txBody>
-        </p:sp>
-        <p:sp>
-          <p:nvSpPr>
-            <p:cNvPr id="54" name="椭圆 35"/>
-            <p:cNvSpPr>
-              <a:spLocks noChangeAspect="1"/>
-            </p:cNvSpPr>
-            <p:nvPr/>
-          </p:nvSpPr>
-          <p:spPr>
-            <a:xfrm>
-              <a:off x="6337523" y="4126916"/>
-              <a:ext cx="446815" cy="446815"/>
-            </a:xfrm>
-            <a:prstGeom prst="ellipse">
-              <a:avLst/>
-            </a:prstGeom>
-            <a:solidFill>
-              <a:schemeClr val="accent3"/>
-            </a:solidFill>
-            <a:ln>
-              <a:noFill/>
-            </a:ln>
-          </p:spPr>
-          <p:style>
-            <a:lnRef idx="2">
-              <a:schemeClr val="accent1">
-                <a:shade val="50000"/>
-              </a:schemeClr>
-            </a:lnRef>
-            <a:fillRef idx="1">
-              <a:schemeClr val="accent1"/>
-            </a:fillRef>
-            <a:effectRef idx="0">
-              <a:schemeClr val="accent1"/>
-            </a:effectRef>
-            <a:fontRef idx="minor">
-              <a:schemeClr val="lt1"/>
-            </a:fontRef>
-          </p:style>
-          <p:txBody>
-            <a:bodyPr rtlCol="0" anchor="ctr"/>
-            <a:lstStyle/>
-            <a:p>
-              <a:pPr algn="ctr"/>
-              <a:r>
-                <a:rPr lang="en-US" sz="2400" dirty="0"/>
-                <a:t>3</a:t>
-              </a:r>
-            </a:p>
-          </p:txBody>
-        </p:sp>
-      </p:grpSp>
-    </p:spTree>
-    <p:extLst>
-      <p:ext uri="{BB962C8B-B14F-4D97-AF65-F5344CB8AC3E}">
-        <p14:creationId xmlns:p14="http://schemas.microsoft.com/office/powerpoint/2010/main" val="2154325735"/>
-      </p:ext>
-    </p:extLst>
-  </p:cSld>
-  <p:clrMapOvr>
-    <a:masterClrMapping/>
-  </p:clrMapOvr>
-  <mc:AlternateContent xmlns:mc="http://schemas.openxmlformats.org/markup-compatibility/2006" xmlns:p14="http://schemas.microsoft.com/office/powerpoint/2010/main">
-    <mc:Choice Requires="p14">
-      <p:timing>
-        <p:tnLst>
-          <p:par>
-            <p:cTn id="1" dur="indefinite" restart="never" nodeType="tmRoot">
-              <p:childTnLst>
-                <p:seq concurrent="1" nextAc="seek">
-                  <p:cTn id="2" dur="indefinite" nodeType="mainSeq">
-                    <p:childTnLst>
-                      <p:par>
-                        <p:cTn id="3" fill="hold">
-                          <p:stCondLst>
-                            <p:cond delay="indefinite"/>
-                            <p:cond evt="onBegin" delay="0">
-                              <p:tn val="2"/>
-                            </p:cond>
-                          </p:stCondLst>
-                          <p:childTnLst>
-                            <p:par>
-                              <p:cTn id="4" fill="hold">
-                                <p:stCondLst>
-                                  <p:cond delay="0"/>
-                                </p:stCondLst>
-                                <p:childTnLst>
-                                  <p:par>
-                                    <p:cTn id="5" presetID="2" presetClass="entr" presetSubtype="2" fill="hold" grpId="0" nodeType="afterEffect" p14:presetBounceEnd="36000">
-                                      <p:stCondLst>
-                                        <p:cond delay="0"/>
-                                      </p:stCondLst>
-                                      <p:childTnLst>
-                                        <p:set>
-                                          <p:cBhvr>
-                                            <p:cTn id="6" dur="1" fill="hold">
-                                              <p:stCondLst>
-                                                <p:cond delay="0"/>
-                                              </p:stCondLst>
-                                            </p:cTn>
-                                            <p:tgtEl>
-                                              <p:spTgt spid="51"/>
-                                            </p:tgtEl>
-                                            <p:attrNameLst>
-                                              <p:attrName>style.visibility</p:attrName>
-                                            </p:attrNameLst>
-                                          </p:cBhvr>
-                                          <p:to>
-                                            <p:strVal val="visible"/>
-                                          </p:to>
-                                        </p:set>
-                                        <p:anim calcmode="lin" valueType="num" p14:bounceEnd="36000">
-                                          <p:cBhvr additive="base">
-                                            <p:cTn id="7" dur="500" fill="hold"/>
-                                            <p:tgtEl>
-                                              <p:spTgt spid="51"/>
-                                            </p:tgtEl>
-                                            <p:attrNameLst>
-                                              <p:attrName>ppt_x</p:attrName>
-                                            </p:attrNameLst>
-                                          </p:cBhvr>
-                                          <p:tavLst>
-                                            <p:tav tm="0">
-                                              <p:val>
-                                                <p:strVal val="1+#ppt_w/2"/>
-                                              </p:val>
-                                            </p:tav>
-                                            <p:tav tm="100000">
-                                              <p:val>
-                                                <p:strVal val="#ppt_x"/>
-                                              </p:val>
-                                            </p:tav>
-                                          </p:tavLst>
-                                        </p:anim>
-                                        <p:anim calcmode="lin" valueType="num" p14:bounceEnd="36000">
-                                          <p:cBhvr additive="base">
-                                            <p:cTn id="8" dur="500" fill="hold"/>
-                                            <p:tgtEl>
-                                              <p:spTgt spid="51"/>
-                                            </p:tgtEl>
-                                            <p:attrNameLst>
-                                              <p:attrName>ppt_y</p:attrName>
-                                            </p:attrNameLst>
-                                          </p:cBhvr>
-                                          <p:tavLst>
-                                            <p:tav tm="0">
-                                              <p:val>
-                                                <p:strVal val="#ppt_y"/>
-                                              </p:val>
-                                            </p:tav>
-                                            <p:tav tm="100000">
-                                              <p:val>
-                                                <p:strVal val="#ppt_y"/>
-                                              </p:val>
-                                            </p:tav>
-                                          </p:tavLst>
-                                        </p:anim>
-                                      </p:childTnLst>
-                                    </p:cTn>
-                                  </p:par>
-                                </p:childTnLst>
-                              </p:cTn>
-                            </p:par>
-                          </p:childTnLst>
-                        </p:cTn>
-                      </p:par>
-                    </p:childTnLst>
-                  </p:cTn>
-                  <p:prevCondLst>
-                    <p:cond evt="onPrev" delay="0">
-                      <p:tgtEl>
-                        <p:sldTgt/>
-                      </p:tgtEl>
-                    </p:cond>
-                  </p:prevCondLst>
-                  <p:nextCondLst>
-                    <p:cond evt="onNext" delay="0">
-                      <p:tgtEl>
-                        <p:sldTgt/>
-                      </p:tgtEl>
-                    </p:cond>
-                  </p:nextCondLst>
-                </p:seq>
-              </p:childTnLst>
-            </p:cTn>
-          </p:par>
-        </p:tnLst>
-        <p:bldLst>
-          <p:bldP spid="51" grpId="0"/>
-        </p:bldLst>
-      </p:timing>
-    </mc:Choice>
-    <mc:Fallback xmlns="">
-      <p:timing>
-        <p:tnLst>
-          <p:par>
-            <p:cTn id="1" dur="indefinite" restart="never" nodeType="tmRoot">
-              <p:childTnLst>
-                <p:seq concurrent="1" nextAc="seek">
-                  <p:cTn id="2" dur="indefinite" nodeType="mainSeq">
-                    <p:childTnLst>
-                      <p:par>
-                        <p:cTn id="3" fill="hold">
-                          <p:stCondLst>
-                            <p:cond delay="indefinite"/>
-                            <p:cond evt="onBegin" delay="0">
-                              <p:tn val="2"/>
-                            </p:cond>
-                          </p:stCondLst>
-                          <p:childTnLst>
-                            <p:par>
-                              <p:cTn id="4" fill="hold">
-                                <p:stCondLst>
-                                  <p:cond delay="0"/>
-                                </p:stCondLst>
-                                <p:childTnLst>
-                                  <p:par>
-                                    <p:cTn id="5" presetID="2" presetClass="entr" presetSubtype="2" fill="hold" grpId="0" nodeType="afterEffect">
-                                      <p:stCondLst>
-                                        <p:cond delay="0"/>
-                                      </p:stCondLst>
-                                      <p:childTnLst>
-                                        <p:set>
-                                          <p:cBhvr>
-                                            <p:cTn id="6" dur="1" fill="hold">
-                                              <p:stCondLst>
-                                                <p:cond delay="0"/>
-                                              </p:stCondLst>
-                                            </p:cTn>
-                                            <p:tgtEl>
-                                              <p:spTgt spid="51"/>
-                                            </p:tgtEl>
-                                            <p:attrNameLst>
-                                              <p:attrName>style.visibility</p:attrName>
-                                            </p:attrNameLst>
-                                          </p:cBhvr>
-                                          <p:to>
-                                            <p:strVal val="visible"/>
-                                          </p:to>
-                                        </p:set>
-                                        <p:anim calcmode="lin" valueType="num">
-                                          <p:cBhvr additive="base">
-                                            <p:cTn id="7" dur="500" fill="hold"/>
-                                            <p:tgtEl>
-                                              <p:spTgt spid="51"/>
-                                            </p:tgtEl>
-                                            <p:attrNameLst>
-                                              <p:attrName>ppt_x</p:attrName>
-                                            </p:attrNameLst>
-                                          </p:cBhvr>
-                                          <p:tavLst>
-                                            <p:tav tm="0">
-                                              <p:val>
-                                                <p:strVal val="1+#ppt_w/2"/>
-                                              </p:val>
-                                            </p:tav>
-                                            <p:tav tm="100000">
-                                              <p:val>
-                                                <p:strVal val="#ppt_x"/>
-                                              </p:val>
-                                            </p:tav>
-                                          </p:tavLst>
-                                        </p:anim>
-                                        <p:anim calcmode="lin" valueType="num">
-                                          <p:cBhvr additive="base">
-                                            <p:cTn id="8" dur="500" fill="hold"/>
-                                            <p:tgtEl>
-                                              <p:spTgt spid="51"/>
-                                            </p:tgtEl>
-                                            <p:attrNameLst>
-                                              <p:attrName>ppt_y</p:attrName>
-                                            </p:attrNameLst>
-                                          </p:cBhvr>
-                                          <p:tavLst>
-                                            <p:tav tm="0">
-                                              <p:val>
-                                                <p:strVal val="#ppt_y"/>
-                                              </p:val>
-                                            </p:tav>
-                                            <p:tav tm="100000">
-                                              <p:val>
-                                                <p:strVal val="#ppt_y"/>
-                                              </p:val>
-                                            </p:tav>
-                                          </p:tavLst>
-                                        </p:anim>
-                                      </p:childTnLst>
-                                    </p:cTn>
-                                  </p:par>
-                                </p:childTnLst>
-                              </p:cTn>
-                            </p:par>
-                          </p:childTnLst>
-                        </p:cTn>
-                      </p:par>
-                    </p:childTnLst>
-                  </p:cTn>
-                  <p:prevCondLst>
-                    <p:cond evt="onPrev" delay="0">
-                      <p:tgtEl>
-                        <p:sldTgt/>
-                      </p:tgtEl>
-                    </p:cond>
-                  </p:prevCondLst>
-                  <p:nextCondLst>
-                    <p:cond evt="onNext" delay="0">
-                      <p:tgtEl>
-                        <p:sldTgt/>
-                      </p:tgtEl>
-                    </p:cond>
-                  </p:nextCondLst>
-                </p:seq>
-              </p:childTnLst>
-            </p:cTn>
-          </p:par>
-        </p:tnLst>
-        <p:bldLst>
-          <p:bldP spid="51" grpId="0"/>
-        </p:bldLst>
-      </p:timing>
-    </mc:Fallback>
-  </mc:AlternateContent>
-</p:sld>
-</file>
-
-<file path=ppt/slides/slide15.xml><?xml version="1.0" encoding="utf-8"?>
 <p:sld xmlns:a="http://schemas.openxmlformats.org/drawingml/2006/main" xmlns:r="http://schemas.openxmlformats.org/officeDocument/2006/relationships" xmlns:p="http://schemas.openxmlformats.org/presentationml/2006/main" show="0">
   <p:cSld>
     <p:spTree>
@@ -17440,7 +16062,7 @@
 </p:sld>
 </file>
 
-<file path=ppt/slides/slide16.xml><?xml version="1.0" encoding="utf-8"?>
+<file path=ppt/slides/slide15.xml><?xml version="1.0" encoding="utf-8"?>
 <p:sld xmlns:a="http://schemas.openxmlformats.org/drawingml/2006/main" xmlns:r="http://schemas.openxmlformats.org/officeDocument/2006/relationships" xmlns:p="http://schemas.openxmlformats.org/presentationml/2006/main">
   <p:cSld>
     <p:spTree>
@@ -18288,7 +16910,7 @@
                   <a:ea typeface="Microsoft YaHei" panose="020B0503020204020204" pitchFamily="34" charset="-122"/>
                   <a:cs typeface="Arial" panose="020B0604020202020204" pitchFamily="34" charset="0"/>
                 </a:rPr>
-                <a:t>影片</a:t>
+                <a:t>直播</a:t>
               </a:r>
               <a:r>
                 <a:rPr lang="en-US" altLang="zh-TW" sz="2000" b="1" dirty="0">
@@ -18363,9 +16985,10 @@
             <a:p>
               <a:pPr algn="ctr"/>
               <a:r>
-                <a:rPr lang="en-US" sz="2400" dirty="0"/>
-                <a:t>3</a:t>
+                <a:rPr lang="en-US" altLang="zh-TW" sz="2400" dirty="0"/>
+                <a:t>1</a:t>
               </a:r>
+              <a:endParaRPr lang="en-US" sz="2400" dirty="0"/>
             </a:p>
           </p:txBody>
         </p:sp>
@@ -18380,8 +17003,8 @@
   <p:clrMapOvr>
     <a:masterClrMapping/>
   </p:clrMapOvr>
-  <mc:AlternateContent xmlns:mc="http://schemas.openxmlformats.org/markup-compatibility/2006">
-    <mc:Choice xmlns:p14="http://schemas.microsoft.com/office/powerpoint/2010/main" Requires="p14">
+  <mc:AlternateContent xmlns:mc="http://schemas.openxmlformats.org/markup-compatibility/2006" xmlns:p14="http://schemas.microsoft.com/office/powerpoint/2010/main">
+    <mc:Choice Requires="p14">
       <p:timing>
         <p:tnLst>
           <p:par>
@@ -18510,7 +17133,7 @@
         </p:bldLst>
       </p:timing>
     </mc:Choice>
-    <mc:Fallback>
+    <mc:Fallback xmlns="">
       <p:timing>
         <p:tnLst>
           <p:par>
@@ -18643,7 +17266,7 @@
 </p:sld>
 </file>
 
-<file path=ppt/slides/slide17.xml><?xml version="1.0" encoding="utf-8"?>
+<file path=ppt/slides/slide16.xml><?xml version="1.0" encoding="utf-8"?>
 <p:sld xmlns:a="http://schemas.openxmlformats.org/drawingml/2006/main" xmlns:r="http://schemas.openxmlformats.org/officeDocument/2006/relationships" xmlns:p="http://schemas.openxmlformats.org/presentationml/2006/main">
   <p:cSld>
     <p:spTree>
@@ -19988,7 +18611,7 @@
 </p:sld>
 </file>
 
-<file path=ppt/slides/slide18.xml><?xml version="1.0" encoding="utf-8"?>
+<file path=ppt/slides/slide17.xml><?xml version="1.0" encoding="utf-8"?>
 <p:sld xmlns:a="http://schemas.openxmlformats.org/drawingml/2006/main" xmlns:r="http://schemas.openxmlformats.org/officeDocument/2006/relationships" xmlns:p="http://schemas.openxmlformats.org/presentationml/2006/main">
   <p:cSld>
     <p:spTree>
@@ -21522,7 +20145,7 @@
 </p:sld>
 </file>
 
-<file path=ppt/slides/slide19.xml><?xml version="1.0" encoding="utf-8"?>
+<file path=ppt/slides/slide18.xml><?xml version="1.0" encoding="utf-8"?>
 <p:sld xmlns:a="http://schemas.openxmlformats.org/drawingml/2006/main" xmlns:r="http://schemas.openxmlformats.org/officeDocument/2006/relationships" xmlns:p="http://schemas.openxmlformats.org/presentationml/2006/main">
   <p:cSld>
     <p:spTree>
@@ -24581,6 +23204,48 @@
                 </a:rPr>
                 <a:t>成果</a:t>
               </a:r>
+              <a:r>
+                <a:rPr lang="en-US" altLang="zh-TW" sz="2400" b="1" dirty="0">
+                  <a:solidFill>
+                    <a:schemeClr val="tx1">
+                      <a:lumMod val="75000"/>
+                      <a:lumOff val="25000"/>
+                    </a:schemeClr>
+                  </a:solidFill>
+                  <a:latin typeface="微软雅黑" panose="020B0503020204020204" pitchFamily="34" charset="-122"/>
+                  <a:ea typeface="微软雅黑" panose="020B0503020204020204" pitchFamily="34" charset="-122"/>
+                  <a:cs typeface="Times New Roman" panose="02020603050405020304" pitchFamily="18" charset="0"/>
+                </a:rPr>
+                <a:t>(</a:t>
+              </a:r>
+              <a:r>
+                <a:rPr lang="zh-TW" altLang="en-US" sz="2400" b="1" dirty="0">
+                  <a:solidFill>
+                    <a:schemeClr val="tx1">
+                      <a:lumMod val="75000"/>
+                      <a:lumOff val="25000"/>
+                    </a:schemeClr>
+                  </a:solidFill>
+                  <a:latin typeface="微软雅黑" panose="020B0503020204020204" pitchFamily="34" charset="-122"/>
+                  <a:ea typeface="微软雅黑" panose="020B0503020204020204" pitchFamily="34" charset="-122"/>
+                  <a:cs typeface="Times New Roman" panose="02020603050405020304" pitchFamily="18" charset="0"/>
+                </a:rPr>
+                <a:t>直播</a:t>
+              </a:r>
+              <a:r>
+                <a:rPr lang="en-US" altLang="zh-TW" sz="2400" b="1" dirty="0">
+                  <a:solidFill>
+                    <a:schemeClr val="tx1">
+                      <a:lumMod val="75000"/>
+                      <a:lumOff val="25000"/>
+                    </a:schemeClr>
+                  </a:solidFill>
+                  <a:latin typeface="微软雅黑" panose="020B0503020204020204" pitchFamily="34" charset="-122"/>
+                  <a:ea typeface="微软雅黑" panose="020B0503020204020204" pitchFamily="34" charset="-122"/>
+                  <a:cs typeface="Times New Roman" panose="02020603050405020304" pitchFamily="18" charset="0"/>
+                </a:rPr>
+                <a:t>)</a:t>
+              </a:r>
               <a:endParaRPr lang="en-US" altLang="zh-CN" sz="2400" b="1" dirty="0">
                 <a:solidFill>
                   <a:schemeClr val="tx1">
@@ -27308,10 +25973,10 @@
         </p:nvGrpSpPr>
         <p:grpSpPr>
           <a:xfrm>
-            <a:off x="2174373" y="1343012"/>
-            <a:ext cx="9233433" cy="648110"/>
-            <a:chOff x="6353328" y="1648156"/>
-            <a:chExt cx="9233433" cy="648110"/>
+            <a:off x="2174373" y="1308184"/>
+            <a:ext cx="9247812" cy="646331"/>
+            <a:chOff x="6353328" y="1613328"/>
+            <a:chExt cx="9247812" cy="646331"/>
           </a:xfrm>
         </p:grpSpPr>
         <p:sp>
@@ -27322,7 +25987,7 @@
           </p:nvSpPr>
           <p:spPr>
             <a:xfrm>
-              <a:off x="6785764" y="1649935"/>
+              <a:off x="6800143" y="1613328"/>
               <a:ext cx="8800997" cy="646331"/>
             </a:xfrm>
             <a:prstGeom prst="rect">
@@ -27539,9 +26204,9 @@
         <p:grpSpPr>
           <a:xfrm>
             <a:off x="2158570" y="2461527"/>
-            <a:ext cx="4216634" cy="446815"/>
+            <a:ext cx="4248759" cy="446815"/>
             <a:chOff x="6337525" y="2865072"/>
-            <a:chExt cx="4216634" cy="446815"/>
+            <a:chExt cx="4248759" cy="446815"/>
           </a:xfrm>
         </p:grpSpPr>
         <p:sp>
@@ -27552,7 +26217,7 @@
           </p:nvSpPr>
           <p:spPr>
             <a:xfrm>
-              <a:off x="6785764" y="2888425"/>
+              <a:off x="6817889" y="2903813"/>
               <a:ext cx="3768395" cy="369332"/>
             </a:xfrm>
             <a:prstGeom prst="rect">
@@ -27683,9 +26348,9 @@
         <p:grpSpPr>
           <a:xfrm>
             <a:off x="2158567" y="3378747"/>
-            <a:ext cx="4866485" cy="923331"/>
+            <a:ext cx="4880866" cy="929668"/>
             <a:chOff x="6337523" y="4126916"/>
-            <a:chExt cx="4866485" cy="923331"/>
+            <a:chExt cx="4880866" cy="929668"/>
           </a:xfrm>
         </p:grpSpPr>
         <p:sp>
@@ -27696,7 +26361,7 @@
           </p:nvSpPr>
           <p:spPr>
             <a:xfrm>
-              <a:off x="6785763" y="4126917"/>
+              <a:off x="6800144" y="4133254"/>
               <a:ext cx="4418245" cy="923330"/>
             </a:xfrm>
             <a:prstGeom prst="rect">
@@ -27882,10 +26547,10 @@
         </p:nvGrpSpPr>
         <p:grpSpPr>
           <a:xfrm>
-            <a:off x="2183671" y="5049483"/>
-            <a:ext cx="4752187" cy="446815"/>
+            <a:off x="2158567" y="4524733"/>
+            <a:ext cx="4784312" cy="446815"/>
             <a:chOff x="6337522" y="5363396"/>
-            <a:chExt cx="4752187" cy="446815"/>
+            <a:chExt cx="4784312" cy="446815"/>
           </a:xfrm>
         </p:grpSpPr>
         <p:sp>
@@ -27896,7 +26561,7 @@
           </p:nvSpPr>
           <p:spPr>
             <a:xfrm>
-              <a:off x="6785764" y="5365408"/>
+              <a:off x="6817889" y="5415813"/>
               <a:ext cx="4303945" cy="369332"/>
             </a:xfrm>
             <a:prstGeom prst="rect">
@@ -29977,7 +28642,7 @@
         </p:nvSpPr>
         <p:spPr>
           <a:xfrm>
-            <a:off x="5164022" y="2085341"/>
+            <a:off x="5175889" y="2208048"/>
             <a:ext cx="365805" cy="461665"/>
           </a:xfrm>
           <a:prstGeom prst="rect">
@@ -33638,7 +32303,7 @@
           <p:nvPr>
             <p:extLst>
               <p:ext uri="{D42A27DB-BD31-4B8C-83A1-F6EECF244321}">
-                <p14:modId xmlns:p14="http://schemas.microsoft.com/office/powerpoint/2010/main" val="30084406"/>
+                <p14:modId xmlns:p14="http://schemas.microsoft.com/office/powerpoint/2010/main" val="2590597156"/>
               </p:ext>
             </p:extLst>
           </p:nvPr>
